--- a/summary.pptx
+++ b/summary.pptx
@@ -260,7 +260,7 @@
           <a:p>
             <a:fld id="{4F17FA52-C8CB-6E4C-AA1F-4B606819D828}" type="datetimeFigureOut">
               <a:rPr lang="en-US" smtClean="0"/>
-              <a:t>6/10/24</a:t>
+              <a:t>6/25/24</a:t>
             </a:fld>
             <a:endParaRPr lang="en-US"/>
           </a:p>
@@ -471,7 +471,7 @@
           <a:p>
             <a:fld id="{4F17FA52-C8CB-6E4C-AA1F-4B606819D828}" type="datetimeFigureOut">
               <a:rPr lang="en-US" smtClean="0"/>
-              <a:t>6/10/24</a:t>
+              <a:t>6/25/24</a:t>
             </a:fld>
             <a:endParaRPr lang="en-US"/>
           </a:p>
@@ -686,7 +686,7 @@
           <a:p>
             <a:fld id="{4F17FA52-C8CB-6E4C-AA1F-4B606819D828}" type="datetimeFigureOut">
               <a:rPr lang="en-US" smtClean="0"/>
-              <a:t>6/10/24</a:t>
+              <a:t>6/25/24</a:t>
             </a:fld>
             <a:endParaRPr lang="en-US"/>
           </a:p>
@@ -887,7 +887,7 @@
           <a:p>
             <a:fld id="{4F17FA52-C8CB-6E4C-AA1F-4B606819D828}" type="datetimeFigureOut">
               <a:rPr lang="en-US" smtClean="0"/>
-              <a:t>6/10/24</a:t>
+              <a:t>6/25/24</a:t>
             </a:fld>
             <a:endParaRPr lang="en-US"/>
           </a:p>
@@ -1166,7 +1166,7 @@
           <a:p>
             <a:fld id="{4F17FA52-C8CB-6E4C-AA1F-4B606819D828}" type="datetimeFigureOut">
               <a:rPr lang="en-US" smtClean="0"/>
-              <a:t>6/10/24</a:t>
+              <a:t>6/25/24</a:t>
             </a:fld>
             <a:endParaRPr lang="en-US"/>
           </a:p>
@@ -1434,7 +1434,7 @@
           <a:p>
             <a:fld id="{4F17FA52-C8CB-6E4C-AA1F-4B606819D828}" type="datetimeFigureOut">
               <a:rPr lang="en-US" smtClean="0"/>
-              <a:t>6/10/24</a:t>
+              <a:t>6/25/24</a:t>
             </a:fld>
             <a:endParaRPr lang="en-US"/>
           </a:p>
@@ -1850,7 +1850,7 @@
           <a:p>
             <a:fld id="{4F17FA52-C8CB-6E4C-AA1F-4B606819D828}" type="datetimeFigureOut">
               <a:rPr lang="en-US" smtClean="0"/>
-              <a:t>6/10/24</a:t>
+              <a:t>6/25/24</a:t>
             </a:fld>
             <a:endParaRPr lang="en-US"/>
           </a:p>
@@ -1999,7 +1999,7 @@
           <a:p>
             <a:fld id="{4F17FA52-C8CB-6E4C-AA1F-4B606819D828}" type="datetimeFigureOut">
               <a:rPr lang="en-US" smtClean="0"/>
-              <a:t>6/10/24</a:t>
+              <a:t>6/25/24</a:t>
             </a:fld>
             <a:endParaRPr lang="en-US"/>
           </a:p>
@@ -2125,7 +2125,7 @@
           <a:p>
             <a:fld id="{4F17FA52-C8CB-6E4C-AA1F-4B606819D828}" type="datetimeFigureOut">
               <a:rPr lang="en-US" smtClean="0"/>
-              <a:t>6/10/24</a:t>
+              <a:t>6/25/24</a:t>
             </a:fld>
             <a:endParaRPr lang="en-US"/>
           </a:p>
@@ -2376,7 +2376,7 @@
           <a:p>
             <a:fld id="{4F17FA52-C8CB-6E4C-AA1F-4B606819D828}" type="datetimeFigureOut">
               <a:rPr lang="en-US" smtClean="0"/>
-              <a:t>6/10/24</a:t>
+              <a:t>6/25/24</a:t>
             </a:fld>
             <a:endParaRPr lang="en-US"/>
           </a:p>
@@ -2821,7 +2821,7 @@
           <a:p>
             <a:fld id="{4F17FA52-C8CB-6E4C-AA1F-4B606819D828}" type="datetimeFigureOut">
               <a:rPr lang="en-US" smtClean="0"/>
-              <a:t>6/10/24</a:t>
+              <a:t>6/25/24</a:t>
             </a:fld>
             <a:endParaRPr lang="en-US"/>
           </a:p>
@@ -3148,7 +3148,7 @@
           <a:p>
             <a:fld id="{4F17FA52-C8CB-6E4C-AA1F-4B606819D828}" type="datetimeFigureOut">
               <a:rPr lang="en-US" smtClean="0"/>
-              <a:t>6/10/24</a:t>
+              <a:t>6/25/24</a:t>
             </a:fld>
             <a:endParaRPr lang="en-US"/>
           </a:p>
@@ -3687,14 +3687,14 @@
           <p:nvPr>
             <p:extLst>
               <p:ext uri="{D42A27DB-BD31-4B8C-83A1-F6EECF244321}">
-                <p14:modId xmlns:p14="http://schemas.microsoft.com/office/powerpoint/2010/main" val="1552471782"/>
+                <p14:modId xmlns:p14="http://schemas.microsoft.com/office/powerpoint/2010/main" val="931463063"/>
               </p:ext>
             </p:extLst>
           </p:nvPr>
         </p:nvGraphicFramePr>
         <p:xfrm>
           <a:off x="2417779" y="3811209"/>
-          <a:ext cx="8127999" cy="741680"/>
+          <a:ext cx="2709333" cy="370840"/>
         </p:xfrm>
         <a:graphic>
           <a:graphicData uri="http://schemas.openxmlformats.org/drawingml/2006/table">
@@ -3710,20 +3710,6 @@
                     </a:ext>
                   </a:extLst>
                 </a:gridCol>
-                <a:gridCol w="2709333">
-                  <a:extLst>
-                    <a:ext uri="{9D8B030D-6E8A-4147-A177-3AD203B41FA5}">
-                      <a16:colId xmlns:a16="http://schemas.microsoft.com/office/drawing/2014/main" val="1737265251"/>
-                    </a:ext>
-                  </a:extLst>
-                </a:gridCol>
-                <a:gridCol w="2709333">
-                  <a:extLst>
-                    <a:ext uri="{9D8B030D-6E8A-4147-A177-3AD203B41FA5}">
-                      <a16:colId xmlns:a16="http://schemas.microsoft.com/office/drawing/2014/main" val="3900440583"/>
-                    </a:ext>
-                  </a:extLst>
-                </a:gridCol>
               </a:tblGrid>
               <a:tr h="370840">
                 <a:tc>
@@ -3734,85 +3720,7 @@
                       <a:pPr algn="ctr"/>
                       <a:r>
                         <a:rPr lang="en-US" dirty="0"/>
-                        <a:t>Bryan Wong Hong Liang</a:t>
-                      </a:r>
-                    </a:p>
-                  </a:txBody>
-                  <a:tcPr/>
-                </a:tc>
-                <a:tc>
-                  <a:txBody>
-                    <a:bodyPr/>
-                    <a:lstStyle/>
-                    <a:p>
-                      <a:pPr algn="ctr"/>
-                      <a:r>
-                        <a:rPr lang="en-US" dirty="0" err="1"/>
-                        <a:t>bryanwong@u.nus.edu</a:t>
-                      </a:r>
-                      <a:endParaRPr lang="en-US" dirty="0"/>
-                    </a:p>
-                  </a:txBody>
-                  <a:tcPr/>
-                </a:tc>
-                <a:tc>
-                  <a:txBody>
-                    <a:bodyPr/>
-                    <a:lstStyle/>
-                    <a:p>
-                      <a:pPr algn="ctr"/>
-                      <a:r>
-                        <a:rPr lang="en-US" dirty="0"/>
-                        <a:t>A0215114X</a:t>
-                      </a:r>
-                    </a:p>
-                  </a:txBody>
-                  <a:tcPr/>
-                </a:tc>
-                <a:extLst>
-                  <a:ext uri="{0D108BD9-81ED-4DB2-BD59-A6C34878D82A}">
-                    <a16:rowId xmlns:a16="http://schemas.microsoft.com/office/drawing/2014/main" val="1178721700"/>
-                  </a:ext>
-                </a:extLst>
-              </a:tr>
-              <a:tr h="370840">
-                <a:tc>
-                  <a:txBody>
-                    <a:bodyPr/>
-                    <a:lstStyle/>
-                    <a:p>
-                      <a:pPr algn="ctr"/>
-                      <a:r>
-                        <a:rPr lang="en-US" dirty="0"/>
                         <a:t>James Lim</a:t>
-                      </a:r>
-                    </a:p>
-                  </a:txBody>
-                  <a:tcPr/>
-                </a:tc>
-                <a:tc>
-                  <a:txBody>
-                    <a:bodyPr/>
-                    <a:lstStyle/>
-                    <a:p>
-                      <a:pPr algn="ctr"/>
-                      <a:r>
-                        <a:rPr lang="en-US" dirty="0"/>
-                        <a:t>e0950510@u.nus.edu</a:t>
-                      </a:r>
-                    </a:p>
-                  </a:txBody>
-                  <a:tcPr/>
-                </a:tc>
-                <a:tc>
-                  <a:txBody>
-                    <a:bodyPr/>
-                    <a:lstStyle/>
-                    <a:p>
-                      <a:pPr algn="ctr"/>
-                      <a:r>
-                        <a:rPr lang="en-US" dirty="0"/>
-                        <a:t>A0251506M</a:t>
                       </a:r>
                     </a:p>
                   </a:txBody>
